--- a/Documentos/Entrega.pptx
+++ b/Documentos/Entrega.pptx
@@ -199,7 +199,7 @@
           <p:cNvPr id="2" name="1 Marcador de encabezado">
             <a:extLst>
               <a:ext uri="{FF2B5EF4-FFF2-40B4-BE49-F238E27FC236}">
-                <a16:creationId xmlns:a16="http://schemas.microsoft.com/office/drawing/2014/main" xmlns="" id="{0D1CB818-BC4E-4363-A0E5-D52767F7C885}"/>
+                <a16:creationId xmlns="" xmlns:a16="http://schemas.microsoft.com/office/drawing/2014/main" id="{0D1CB818-BC4E-4363-A0E5-D52767F7C885}"/>
               </a:ext>
             </a:extLst>
           </p:cNvPr>
@@ -241,7 +241,7 @@
           <p:cNvPr id="3" name="2 Marcador de fecha">
             <a:extLst>
               <a:ext uri="{FF2B5EF4-FFF2-40B4-BE49-F238E27FC236}">
-                <a16:creationId xmlns:a16="http://schemas.microsoft.com/office/drawing/2014/main" xmlns="" id="{B70D84DE-4F6F-470E-9C0F-CA5DCC3654C9}"/>
+                <a16:creationId xmlns="" xmlns:a16="http://schemas.microsoft.com/office/drawing/2014/main" id="{B70D84DE-4F6F-470E-9C0F-CA5DCC3654C9}"/>
               </a:ext>
             </a:extLst>
           </p:cNvPr>
@@ -279,7 +279,7 @@
               <a:pPr>
                 <a:defRPr/>
               </a:pPr>
-              <a:t>9/06/2020</a:t>
+              <a:t>10/06/2020</a:t>
             </a:fld>
             <a:endParaRPr lang="es-CO"/>
           </a:p>
@@ -290,7 +290,7 @@
           <p:cNvPr id="4" name="3 Marcador de imagen de diapositiva">
             <a:extLst>
               <a:ext uri="{FF2B5EF4-FFF2-40B4-BE49-F238E27FC236}">
-                <a16:creationId xmlns:a16="http://schemas.microsoft.com/office/drawing/2014/main" xmlns="" id="{2A858423-5C6B-4145-8087-74550E49C2D4}"/>
+                <a16:creationId xmlns="" xmlns:a16="http://schemas.microsoft.com/office/drawing/2014/main" id="{2A858423-5C6B-4145-8087-74550E49C2D4}"/>
               </a:ext>
             </a:extLst>
           </p:cNvPr>
@@ -330,7 +330,7 @@
           <p:cNvPr id="5" name="4 Marcador de notas">
             <a:extLst>
               <a:ext uri="{FF2B5EF4-FFF2-40B4-BE49-F238E27FC236}">
-                <a16:creationId xmlns:a16="http://schemas.microsoft.com/office/drawing/2014/main" xmlns="" id="{1D2ADB1C-15FC-49E7-A902-07AB72CD0585}"/>
+                <a16:creationId xmlns="" xmlns:a16="http://schemas.microsoft.com/office/drawing/2014/main" id="{1D2ADB1C-15FC-49E7-A902-07AB72CD0585}"/>
               </a:ext>
             </a:extLst>
           </p:cNvPr>
@@ -398,7 +398,7 @@
           <p:cNvPr id="6" name="5 Marcador de pie de página">
             <a:extLst>
               <a:ext uri="{FF2B5EF4-FFF2-40B4-BE49-F238E27FC236}">
-                <a16:creationId xmlns:a16="http://schemas.microsoft.com/office/drawing/2014/main" xmlns="" id="{4EFF8062-1AF7-481B-B696-00D8897B5AB0}"/>
+                <a16:creationId xmlns="" xmlns:a16="http://schemas.microsoft.com/office/drawing/2014/main" id="{4EFF8062-1AF7-481B-B696-00D8897B5AB0}"/>
               </a:ext>
             </a:extLst>
           </p:cNvPr>
@@ -440,7 +440,7 @@
           <p:cNvPr id="7" name="6 Marcador de número de diapositiva">
             <a:extLst>
               <a:ext uri="{FF2B5EF4-FFF2-40B4-BE49-F238E27FC236}">
-                <a16:creationId xmlns:a16="http://schemas.microsoft.com/office/drawing/2014/main" xmlns="" id="{A689833D-2646-4DC8-9B0C-C5F817681BEC}"/>
+                <a16:creationId xmlns="" xmlns:a16="http://schemas.microsoft.com/office/drawing/2014/main" id="{A689833D-2646-4DC8-9B0C-C5F817681BEC}"/>
               </a:ext>
             </a:extLst>
           </p:cNvPr>
@@ -940,7 +940,7 @@
             <a:fld id="{818F800F-9FA6-FE45-B974-AB17141DF911}" type="datetimeFigureOut">
               <a:rPr lang="en-US" smtClean="0"/>
               <a:pPr/>
-              <a:t>6/9/2020</a:t>
+              <a:t>6/10/2020</a:t>
             </a:fld>
             <a:endParaRPr lang="en-US" dirty="0"/>
           </a:p>
@@ -1112,7 +1112,7 @@
             <a:fld id="{818F800F-9FA6-FE45-B974-AB17141DF911}" type="datetimeFigureOut">
               <a:rPr lang="en-US" smtClean="0"/>
               <a:pPr/>
-              <a:t>6/9/2020</a:t>
+              <a:t>6/10/2020</a:t>
             </a:fld>
             <a:endParaRPr lang="en-US" dirty="0"/>
           </a:p>
@@ -1294,7 +1294,7 @@
             <a:fld id="{818F800F-9FA6-FE45-B974-AB17141DF911}" type="datetimeFigureOut">
               <a:rPr lang="en-US" smtClean="0"/>
               <a:pPr/>
-              <a:t>6/9/2020</a:t>
+              <a:t>6/10/2020</a:t>
             </a:fld>
             <a:endParaRPr lang="en-US" dirty="0"/>
           </a:p>
@@ -1466,7 +1466,7 @@
             <a:fld id="{818F800F-9FA6-FE45-B974-AB17141DF911}" type="datetimeFigureOut">
               <a:rPr lang="en-US" smtClean="0"/>
               <a:pPr/>
-              <a:t>6/9/2020</a:t>
+              <a:t>6/10/2020</a:t>
             </a:fld>
             <a:endParaRPr lang="en-US" dirty="0"/>
           </a:p>
@@ -1714,7 +1714,7 @@
             <a:fld id="{818F800F-9FA6-FE45-B974-AB17141DF911}" type="datetimeFigureOut">
               <a:rPr lang="en-US" smtClean="0"/>
               <a:pPr/>
-              <a:t>6/9/2020</a:t>
+              <a:t>6/10/2020</a:t>
             </a:fld>
             <a:endParaRPr lang="en-US" dirty="0"/>
           </a:p>
@@ -2004,7 +2004,7 @@
             <a:fld id="{818F800F-9FA6-FE45-B974-AB17141DF911}" type="datetimeFigureOut">
               <a:rPr lang="en-US" smtClean="0"/>
               <a:pPr/>
-              <a:t>6/9/2020</a:t>
+              <a:t>6/10/2020</a:t>
             </a:fld>
             <a:endParaRPr lang="en-US" dirty="0"/>
           </a:p>
@@ -2428,7 +2428,7 @@
             <a:fld id="{818F800F-9FA6-FE45-B974-AB17141DF911}" type="datetimeFigureOut">
               <a:rPr lang="en-US" smtClean="0"/>
               <a:pPr/>
-              <a:t>6/9/2020</a:t>
+              <a:t>6/10/2020</a:t>
             </a:fld>
             <a:endParaRPr lang="en-US" dirty="0"/>
           </a:p>
@@ -2548,7 +2548,7 @@
             <a:fld id="{818F800F-9FA6-FE45-B974-AB17141DF911}" type="datetimeFigureOut">
               <a:rPr lang="en-US" smtClean="0"/>
               <a:pPr/>
-              <a:t>6/9/2020</a:t>
+              <a:t>6/10/2020</a:t>
             </a:fld>
             <a:endParaRPr lang="en-US" dirty="0"/>
           </a:p>
@@ -2645,7 +2645,7 @@
             <a:fld id="{818F800F-9FA6-FE45-B974-AB17141DF911}" type="datetimeFigureOut">
               <a:rPr lang="en-US" smtClean="0"/>
               <a:pPr/>
-              <a:t>6/9/2020</a:t>
+              <a:t>6/10/2020</a:t>
             </a:fld>
             <a:endParaRPr lang="en-US" dirty="0"/>
           </a:p>
@@ -2924,7 +2924,7 @@
             <a:fld id="{818F800F-9FA6-FE45-B974-AB17141DF911}" type="datetimeFigureOut">
               <a:rPr lang="en-US" smtClean="0"/>
               <a:pPr/>
-              <a:t>6/9/2020</a:t>
+              <a:t>6/10/2020</a:t>
             </a:fld>
             <a:endParaRPr lang="en-US" dirty="0"/>
           </a:p>
@@ -3179,7 +3179,7 @@
             <a:fld id="{818F800F-9FA6-FE45-B974-AB17141DF911}" type="datetimeFigureOut">
               <a:rPr lang="en-US" smtClean="0"/>
               <a:pPr/>
-              <a:t>6/9/2020</a:t>
+              <a:t>6/10/2020</a:t>
             </a:fld>
             <a:endParaRPr lang="en-US" dirty="0"/>
           </a:p>
@@ -3394,7 +3394,7 @@
             <a:fld id="{818F800F-9FA6-FE45-B974-AB17141DF911}" type="datetimeFigureOut">
               <a:rPr lang="en-US" smtClean="0"/>
               <a:pPr/>
-              <a:t>6/9/2020</a:t>
+              <a:t>6/10/2020</a:t>
             </a:fld>
             <a:endParaRPr lang="en-US" dirty="0"/>
           </a:p>
@@ -3484,7 +3484,7 @@
           <p:cNvPr id="7" name="Picture 1">
             <a:extLst>
               <a:ext uri="{FF2B5EF4-FFF2-40B4-BE49-F238E27FC236}">
-                <a16:creationId xmlns:a16="http://schemas.microsoft.com/office/drawing/2014/main" xmlns="" id="{06F4A6E6-E3C1-435F-93BD-11076163103A}"/>
+                <a16:creationId xmlns="" xmlns:a16="http://schemas.microsoft.com/office/drawing/2014/main" id="{06F4A6E6-E3C1-435F-93BD-11076163103A}"/>
               </a:ext>
             </a:extLst>
           </p:cNvPr>
@@ -4180,7 +4180,7 @@
           <p:cNvPr id="2" name="Título 1">
             <a:extLst>
               <a:ext uri="{FF2B5EF4-FFF2-40B4-BE49-F238E27FC236}">
-                <a16:creationId xmlns:a16="http://schemas.microsoft.com/office/drawing/2014/main" xmlns="" id="{969F45AB-FBC0-4179-BE0B-D8C0687C7AB1}"/>
+                <a16:creationId xmlns="" xmlns:a16="http://schemas.microsoft.com/office/drawing/2014/main" id="{969F45AB-FBC0-4179-BE0B-D8C0687C7AB1}"/>
               </a:ext>
             </a:extLst>
           </p:cNvPr>
@@ -4232,7 +4232,7 @@
           <p:cNvPr id="3" name="Marcador de contenido 2">
             <a:extLst>
               <a:ext uri="{FF2B5EF4-FFF2-40B4-BE49-F238E27FC236}">
-                <a16:creationId xmlns:a16="http://schemas.microsoft.com/office/drawing/2014/main" xmlns="" id="{87E4D59D-6198-4BCF-9097-E70E32BD14DD}"/>
+                <a16:creationId xmlns="" xmlns:a16="http://schemas.microsoft.com/office/drawing/2014/main" id="{87E4D59D-6198-4BCF-9097-E70E32BD14DD}"/>
               </a:ext>
             </a:extLst>
           </p:cNvPr>
@@ -4273,9 +4273,12 @@
             </a:r>
             <a:r>
               <a:rPr lang="es-ES" sz="2800" dirty="0" smtClean="0"/>
-              <a:t> para el desarrollo del Software</a:t>
-            </a:r>
-            <a:endParaRPr lang="es-ES" sz="2800" dirty="0" smtClean="0"/>
+              <a:t> 8.2 </a:t>
+            </a:r>
+            <a:r>
+              <a:rPr lang="es-ES" sz="2800" dirty="0" smtClean="0"/>
+              <a:t>para el desarrollo del Software</a:t>
+            </a:r>
           </a:p>
           <a:p>
             <a:pPr algn="just"/>
@@ -4339,7 +4342,7 @@
           <p:cNvPr id="2" name="Título 1">
             <a:extLst>
               <a:ext uri="{FF2B5EF4-FFF2-40B4-BE49-F238E27FC236}">
-                <a16:creationId xmlns:a16="http://schemas.microsoft.com/office/drawing/2014/main" xmlns="" id="{969F45AB-FBC0-4179-BE0B-D8C0687C7AB1}"/>
+                <a16:creationId xmlns="" xmlns:a16="http://schemas.microsoft.com/office/drawing/2014/main" id="{969F45AB-FBC0-4179-BE0B-D8C0687C7AB1}"/>
               </a:ext>
             </a:extLst>
           </p:cNvPr>
@@ -4368,7 +4371,15 @@
                   <a:schemeClr val="bg1"/>
                 </a:solidFill>
               </a:rPr>
-              <a:t>Construcción </a:t>
+              <a:t>Estructura</a:t>
+            </a:r>
+            <a:r>
+              <a:rPr lang="es-CO" dirty="0" smtClean="0">
+                <a:solidFill>
+                  <a:schemeClr val="bg1"/>
+                </a:solidFill>
+              </a:rPr>
+              <a:t> </a:t>
             </a:r>
             <a:r>
               <a:rPr lang="es-CO" dirty="0">
@@ -4391,6 +4402,113 @@
                 <a:schemeClr val="bg1"/>
               </a:solidFill>
             </a:endParaRPr>
+          </a:p>
+        </p:txBody>
+      </p:sp>
+      <p:pic>
+        <p:nvPicPr>
+          <p:cNvPr id="3" name="Imagen 2"/>
+          <p:cNvPicPr>
+            <a:picLocks noChangeAspect="1"/>
+          </p:cNvPicPr>
+          <p:nvPr/>
+        </p:nvPicPr>
+        <p:blipFill>
+          <a:blip r:embed="rId2"/>
+          <a:stretch>
+            <a:fillRect/>
+          </a:stretch>
+        </p:blipFill>
+        <p:spPr>
+          <a:xfrm>
+            <a:off x="539096" y="1484784"/>
+            <a:ext cx="3384832" cy="4424338"/>
+          </a:xfrm>
+          <a:prstGeom prst="rect">
+            <a:avLst/>
+          </a:prstGeom>
+        </p:spPr>
+      </p:pic>
+      <p:sp>
+        <p:nvSpPr>
+          <p:cNvPr id="4" name="CuadroTexto 3"/>
+          <p:cNvSpPr txBox="1"/>
+          <p:nvPr/>
+        </p:nvSpPr>
+        <p:spPr>
+          <a:xfrm>
+            <a:off x="4067944" y="1522905"/>
+            <a:ext cx="4680520" cy="4678204"/>
+          </a:xfrm>
+          <a:prstGeom prst="rect">
+            <a:avLst/>
+          </a:prstGeom>
+          <a:noFill/>
+        </p:spPr>
+        <p:txBody>
+          <a:bodyPr wrap="square" rtlCol="0">
+            <a:spAutoFit/>
+          </a:bodyPr>
+          <a:lstStyle/>
+          <a:p>
+            <a:pPr marL="342900" indent="-342900" algn="just">
+              <a:buFont typeface="Arial" panose="020B0604020202020204" pitchFamily="34" charset="0"/>
+              <a:buChar char="•"/>
+            </a:pPr>
+            <a:r>
+              <a:rPr lang="es-ES" sz="2000" dirty="0" smtClean="0"/>
+              <a:t>Se utilizo diferentes patrones de diseño para la construcción del software.</a:t>
+            </a:r>
+          </a:p>
+          <a:p>
+            <a:pPr algn="just"/>
+            <a:endParaRPr lang="es-ES" sz="2000" dirty="0"/>
+          </a:p>
+          <a:p>
+            <a:pPr marL="342900" indent="-342900" algn="just">
+              <a:buFont typeface="Arial" panose="020B0604020202020204" pitchFamily="34" charset="0"/>
+              <a:buChar char="•"/>
+            </a:pPr>
+            <a:r>
+              <a:rPr lang="es-ES" sz="2000" dirty="0" smtClean="0"/>
+              <a:t>Se manejo diferentes paquetes para la distribución ordenada de cada clase.</a:t>
+            </a:r>
+            <a:br>
+              <a:rPr lang="es-ES" sz="2000" dirty="0" smtClean="0"/>
+            </a:br>
+            <a:endParaRPr lang="es-ES" sz="2000" dirty="0" smtClean="0"/>
+          </a:p>
+          <a:p>
+            <a:pPr marL="342900" indent="-342900" algn="just">
+              <a:buFont typeface="Arial" panose="020B0604020202020204" pitchFamily="34" charset="0"/>
+              <a:buChar char="•"/>
+            </a:pPr>
+            <a:r>
+              <a:rPr lang="es-ES" sz="2000" dirty="0" smtClean="0"/>
+              <a:t>Se necesito de librerías para manejar el Excel de entrada y salida.</a:t>
+            </a:r>
+          </a:p>
+          <a:p>
+            <a:pPr marL="285750" indent="-285750" algn="just">
+              <a:buFont typeface="Arial" panose="020B0604020202020204" pitchFamily="34" charset="0"/>
+              <a:buChar char="•"/>
+            </a:pPr>
+            <a:endParaRPr lang="es-ES" sz="2000" dirty="0"/>
+          </a:p>
+          <a:p>
+            <a:pPr marL="285750" indent="-285750" algn="just">
+              <a:buFont typeface="Arial" panose="020B0604020202020204" pitchFamily="34" charset="0"/>
+              <a:buChar char="•"/>
+            </a:pPr>
+            <a:r>
+              <a:rPr lang="es-ES" sz="2000" dirty="0" smtClean="0"/>
+              <a:t>Se construyo un paquete para el manejo de errores de la aplicación.</a:t>
+            </a:r>
+            <a:endParaRPr lang="es-ES" sz="2000" dirty="0"/>
+          </a:p>
+          <a:p>
+            <a:pPr algn="just"/>
+            <a:endParaRPr lang="es-CO" dirty="0"/>
           </a:p>
         </p:txBody>
       </p:sp>
@@ -4429,7 +4547,7 @@
           <p:cNvPr id="2" name="Título 1">
             <a:extLst>
               <a:ext uri="{FF2B5EF4-FFF2-40B4-BE49-F238E27FC236}">
-                <a16:creationId xmlns:a16="http://schemas.microsoft.com/office/drawing/2014/main" xmlns="" id="{969F45AB-FBC0-4179-BE0B-D8C0687C7AB1}"/>
+                <a16:creationId xmlns="" xmlns:a16="http://schemas.microsoft.com/office/drawing/2014/main" id="{969F45AB-FBC0-4179-BE0B-D8C0687C7AB1}"/>
               </a:ext>
             </a:extLst>
           </p:cNvPr>
@@ -4489,7 +4607,7 @@
           <p:cNvPr id="3" name="Marcador de contenido 2">
             <a:extLst>
               <a:ext uri="{FF2B5EF4-FFF2-40B4-BE49-F238E27FC236}">
-                <a16:creationId xmlns:a16="http://schemas.microsoft.com/office/drawing/2014/main" xmlns="" id="{87E4D59D-6198-4BCF-9097-E70E32BD14DD}"/>
+                <a16:creationId xmlns="" xmlns:a16="http://schemas.microsoft.com/office/drawing/2014/main" id="{87E4D59D-6198-4BCF-9097-E70E32BD14DD}"/>
               </a:ext>
             </a:extLst>
           </p:cNvPr>
@@ -4681,7 +4799,7 @@
           <p:cNvPr id="2" name="Título 1">
             <a:extLst>
               <a:ext uri="{FF2B5EF4-FFF2-40B4-BE49-F238E27FC236}">
-                <a16:creationId xmlns:a16="http://schemas.microsoft.com/office/drawing/2014/main" xmlns="" id="{969F45AB-FBC0-4179-BE0B-D8C0687C7AB1}"/>
+                <a16:creationId xmlns="" xmlns:a16="http://schemas.microsoft.com/office/drawing/2014/main" id="{969F45AB-FBC0-4179-BE0B-D8C0687C7AB1}"/>
               </a:ext>
             </a:extLst>
           </p:cNvPr>
@@ -4741,7 +4859,7 @@
           <p:cNvPr id="3" name="Marcador de contenido 2">
             <a:extLst>
               <a:ext uri="{FF2B5EF4-FFF2-40B4-BE49-F238E27FC236}">
-                <a16:creationId xmlns:a16="http://schemas.microsoft.com/office/drawing/2014/main" xmlns="" id="{87E4D59D-6198-4BCF-9097-E70E32BD14DD}"/>
+                <a16:creationId xmlns="" xmlns:a16="http://schemas.microsoft.com/office/drawing/2014/main" id="{87E4D59D-6198-4BCF-9097-E70E32BD14DD}"/>
               </a:ext>
             </a:extLst>
           </p:cNvPr>
@@ -4906,7 +5024,7 @@
           <p:cNvPr id="2" name="Título 1">
             <a:extLst>
               <a:ext uri="{FF2B5EF4-FFF2-40B4-BE49-F238E27FC236}">
-                <a16:creationId xmlns:a16="http://schemas.microsoft.com/office/drawing/2014/main" xmlns="" id="{969F45AB-FBC0-4179-BE0B-D8C0687C7AB1}"/>
+                <a16:creationId xmlns="" xmlns:a16="http://schemas.microsoft.com/office/drawing/2014/main" id="{969F45AB-FBC0-4179-BE0B-D8C0687C7AB1}"/>
               </a:ext>
             </a:extLst>
           </p:cNvPr>
@@ -4937,11 +5055,6 @@
               </a:rPr>
               <a:t>Construcción del Software</a:t>
             </a:r>
-            <a:endParaRPr lang="es-CO" dirty="0">
-              <a:solidFill>
-                <a:schemeClr val="bg1"/>
-              </a:solidFill>
-            </a:endParaRPr>
           </a:p>
         </p:txBody>
       </p:sp>
@@ -4950,7 +5063,7 @@
           <p:cNvPr id="3" name="Marcador de contenido 2">
             <a:extLst>
               <a:ext uri="{FF2B5EF4-FFF2-40B4-BE49-F238E27FC236}">
-                <a16:creationId xmlns:a16="http://schemas.microsoft.com/office/drawing/2014/main" xmlns="" id="{87E4D59D-6198-4BCF-9097-E70E32BD14DD}"/>
+                <a16:creationId xmlns="" xmlns:a16="http://schemas.microsoft.com/office/drawing/2014/main" id="{87E4D59D-6198-4BCF-9097-E70E32BD14DD}"/>
               </a:ext>
             </a:extLst>
           </p:cNvPr>
